--- a/data/Image-SUS.pptx
+++ b/data/Image-SUS.pptx
@@ -2,12 +2,12 @@
 <file path=ppt/presentation.xml><?xml version="1.0" encoding="utf-8"?>
 <p:presentation xmlns:a="http://schemas.openxmlformats.org/drawingml/2006/main" xmlns:r="http://schemas.openxmlformats.org/officeDocument/2006/relationships" xmlns:p="http://schemas.openxmlformats.org/presentationml/2006/main" saveSubsetFonts="1">
   <p:sldMasterIdLst>
-    <p:sldMasterId id="2147483696" r:id="rId1"/>
+    <p:sldMasterId id="2147483720" r:id="rId1"/>
   </p:sldMasterIdLst>
   <p:sldIdLst>
     <p:sldId id="256" r:id="rId2"/>
   </p:sldIdLst>
-  <p:sldSz cx="7315200" cy="4572000"/>
+  <p:sldSz cx="8504238" cy="6492875"/>
   <p:notesSz cx="6858000" cy="9144000"/>
   <p:defaultTextStyle>
     <a:defPPr>
@@ -126,17 +126,74 @@
     </mc:Fallback>
   </mc:AlternateContent>
   <c:chart>
-    <c:autoTitleDeleted val="1"/>
+    <c:title>
+      <c:tx>
+        <c:rich>
+          <a:bodyPr rot="0" spcFirstLastPara="1" vertOverflow="ellipsis" vert="horz" wrap="square" anchor="ctr" anchorCtr="1"/>
+          <a:lstStyle/>
+          <a:p>
+            <a:pPr>
+              <a:defRPr sz="2400" b="0" i="0" u="none" strike="noStrike" kern="1200" spc="0" baseline="0">
+                <a:solidFill>
+                  <a:sysClr val="windowText" lastClr="000000"/>
+                </a:solidFill>
+                <a:latin typeface="+mn-lt"/>
+                <a:ea typeface="+mn-ea"/>
+                <a:cs typeface="+mn-cs"/>
+              </a:defRPr>
+            </a:pPr>
+            <a:r>
+              <a:rPr lang="en-US" dirty="0"/>
+              <a:t>SUS Percentile Curve</a:t>
+            </a:r>
+          </a:p>
+        </c:rich>
+      </c:tx>
+      <c:layout>
+        <c:manualLayout>
+          <c:xMode val="edge"/>
+          <c:yMode val="edge"/>
+          <c:x val="0.33782274800938855"/>
+          <c:y val="1.1904760044875633E-2"/>
+        </c:manualLayout>
+      </c:layout>
+      <c:overlay val="0"/>
+      <c:spPr>
+        <a:noFill/>
+        <a:ln>
+          <a:noFill/>
+        </a:ln>
+        <a:effectLst/>
+      </c:spPr>
+      <c:txPr>
+        <a:bodyPr rot="0" spcFirstLastPara="1" vertOverflow="ellipsis" vert="horz" wrap="square" anchor="ctr" anchorCtr="1"/>
+        <a:lstStyle/>
+        <a:p>
+          <a:pPr>
+            <a:defRPr sz="2400" b="0" i="0" u="none" strike="noStrike" kern="1200" spc="0" baseline="0">
+              <a:solidFill>
+                <a:sysClr val="windowText" lastClr="000000"/>
+              </a:solidFill>
+              <a:latin typeface="+mn-lt"/>
+              <a:ea typeface="+mn-ea"/>
+              <a:cs typeface="+mn-cs"/>
+            </a:defRPr>
+          </a:pPr>
+          <a:endParaRPr lang="en-US"/>
+        </a:p>
+      </c:txPr>
+    </c:title>
+    <c:autoTitleDeleted val="0"/>
     <c:plotArea>
       <c:layout>
         <c:manualLayout>
           <c:layoutTarget val="inner"/>
           <c:xMode val="edge"/>
           <c:yMode val="edge"/>
-          <c:x val="0.20358681192248229"/>
-          <c:y val="0.14150506921928876"/>
-          <c:w val="0.73887318879660591"/>
-          <c:h val="0.67467757706757248"/>
+          <c:x val="0.1296439125602773"/>
+          <c:y val="0.10375078555321428"/>
+          <c:w val="0.83941853461768123"/>
+          <c:h val="0.71341124172858694"/>
         </c:manualLayout>
       </c:layout>
       <c:scatterChart>
@@ -151,7 +208,7 @@
           <c:spPr>
             <a:ln w="38100" cap="rnd">
               <a:solidFill>
-                <a:schemeClr val="accent5">
+                <a:schemeClr val="accent6">
                   <a:lumMod val="75000"/>
                 </a:schemeClr>
               </a:solidFill>
@@ -1187,7 +1244,9 @@
           <c:spPr>
             <a:ln w="38100" cap="rnd">
               <a:solidFill>
-                <a:srgbClr val="DF8181"/>
+                <a:schemeClr val="accent2">
+                  <a:lumMod val="75000"/>
+                </a:schemeClr>
               </a:solidFill>
               <a:prstDash val="sysDash"/>
               <a:round/>
@@ -1284,7 +1343,7 @@
                   </a:defRPr>
                 </a:pPr>
                 <a:r>
-                  <a:rPr lang="en-US" sz="2000" b="0"/>
+                  <a:rPr lang="en-US" dirty="0"/>
                   <a:t>SUS Score</a:t>
                 </a:r>
               </a:p>
@@ -1294,8 +1353,8 @@
             <c:manualLayout>
               <c:xMode val="edge"/>
               <c:yMode val="edge"/>
-              <c:x val="0.48238530730533685"/>
-              <c:y val="0.92146500437445322"/>
+              <c:x val="0.49881240612505001"/>
+              <c:y val="0.94527450548767256"/>
             </c:manualLayout>
           </c:layout>
           <c:overlay val="0"/>
@@ -1325,13 +1384,15 @@
           </c:txPr>
         </c:title>
         <c:numFmt formatCode="General" sourceLinked="1"/>
-        <c:majorTickMark val="none"/>
+        <c:majorTickMark val="out"/>
         <c:minorTickMark val="none"/>
-        <c:tickLblPos val="nextTo"/>
+        <c:tickLblPos val="low"/>
         <c:spPr>
           <a:noFill/>
-          <a:ln w="15875" cap="flat" cmpd="sng" algn="ctr">
-            <a:noFill/>
+          <a:ln w="19050" cap="flat" cmpd="sng" algn="ctr">
+            <a:solidFill>
+              <a:schemeClr val="tx1"/>
+            </a:solidFill>
             <a:round/>
           </a:ln>
           <a:effectLst/>
@@ -1341,7 +1402,7 @@
           <a:lstStyle/>
           <a:p>
             <a:pPr>
-              <a:defRPr sz="1800" b="0" i="0" u="none" strike="noStrike" kern="1200" baseline="0">
+              <a:defRPr sz="2000" b="0" i="0" u="none" strike="noStrike" kern="1200" baseline="0">
                 <a:solidFill>
                   <a:sysClr val="windowText" lastClr="000000"/>
                 </a:solidFill>
@@ -1356,7 +1417,7 @@
         <c:crossAx val="1845495119"/>
         <c:crosses val="autoZero"/>
         <c:crossBetween val="midCat"/>
-        <c:majorUnit val="25"/>
+        <c:majorUnit val="20"/>
       </c:valAx>
       <c:valAx>
         <c:axId val="1845495119"/>
@@ -1397,7 +1458,7 @@
                   </a:defRPr>
                 </a:pPr>
                 <a:r>
-                  <a:rPr lang="en-US" sz="2000" b="0" dirty="0"/>
+                  <a:rPr lang="en-US" dirty="0"/>
                   <a:t>SUS Percentile</a:t>
                 </a:r>
               </a:p>
@@ -1407,8 +1468,8 @@
             <c:manualLayout>
               <c:xMode val="edge"/>
               <c:yMode val="edge"/>
-              <c:x val="4.5034448818897649E-2"/>
-              <c:y val="0.29520734908136481"/>
+              <c:x val="2.3329544634099098E-4"/>
+              <c:y val="0.35076287339082612"/>
             </c:manualLayout>
           </c:layout>
           <c:overlay val="0"/>
@@ -1438,13 +1499,15 @@
           </c:txPr>
         </c:title>
         <c:numFmt formatCode="0%" sourceLinked="1"/>
-        <c:majorTickMark val="none"/>
+        <c:majorTickMark val="out"/>
         <c:minorTickMark val="none"/>
         <c:tickLblPos val="nextTo"/>
         <c:spPr>
           <a:noFill/>
-          <a:ln w="15875" cap="flat" cmpd="sng" algn="ctr">
-            <a:noFill/>
+          <a:ln w="19050" cap="flat" cmpd="sng" algn="ctr">
+            <a:solidFill>
+              <a:schemeClr val="tx1"/>
+            </a:solidFill>
             <a:round/>
           </a:ln>
           <a:effectLst/>
@@ -1454,7 +1517,7 @@
           <a:lstStyle/>
           <a:p>
             <a:pPr>
-              <a:defRPr sz="1800" b="0" i="0" u="none" strike="noStrike" kern="1200" baseline="0">
+              <a:defRPr sz="2000" b="0" i="0" u="none" strike="noStrike" kern="1200" baseline="0">
                 <a:solidFill>
                   <a:sysClr val="windowText" lastClr="000000"/>
                 </a:solidFill>
@@ -1469,41 +1532,41 @@
         <c:crossAx val="1996585055"/>
         <c:crosses val="autoZero"/>
         <c:crossBetween val="midCat"/>
-        <c:majorUnit val="0.25"/>
+        <c:majorUnit val="0.2"/>
       </c:valAx>
-      <c:spPr>
-        <a:solidFill>
-          <a:schemeClr val="bg1"/>
-        </a:solidFill>
-        <a:ln w="12700">
-          <a:solidFill>
-            <a:schemeClr val="tx1"/>
-          </a:solidFill>
-        </a:ln>
-        <a:effectLst/>
-      </c:spPr>
-    </c:plotArea>
-    <c:legend>
-      <c:legendPos val="t"/>
-      <c:layout>
-        <c:manualLayout>
-          <c:xMode val="edge"/>
-          <c:yMode val="edge"/>
-          <c:x val="0.20384705818022747"/>
-          <c:y val="3.3573709536307964E-2"/>
-          <c:w val="0.73538905293088364"/>
-          <c:h val="6.4363298337707792E-2"/>
-        </c:manualLayout>
-      </c:layout>
-      <c:overlay val="0"/>
       <c:spPr>
         <a:solidFill>
           <a:schemeClr val="bg1">
             <a:lumMod val="95000"/>
           </a:schemeClr>
         </a:solidFill>
-        <a:ln w="25400">
+        <a:ln w="12700">
           <a:noFill/>
+        </a:ln>
+        <a:effectLst/>
+      </c:spPr>
+    </c:plotArea>
+    <c:legend>
+      <c:legendPos val="r"/>
+      <c:layout>
+        <c:manualLayout>
+          <c:xMode val="edge"/>
+          <c:yMode val="edge"/>
+          <c:x val="0.14522171118989979"/>
+          <c:y val="0.12495375578052743"/>
+          <c:w val="0.30896833460333589"/>
+          <c:h val="0.11803907434105948"/>
+        </c:manualLayout>
+      </c:layout>
+      <c:overlay val="0"/>
+      <c:spPr>
+        <a:solidFill>
+          <a:schemeClr val="bg1"/>
+        </a:solidFill>
+        <a:ln w="19050">
+          <a:solidFill>
+            <a:schemeClr val="tx1"/>
+          </a:solidFill>
         </a:ln>
         <a:effectLst/>
       </c:spPr>
@@ -1512,9 +1575,9 @@
         <a:lstStyle/>
         <a:p>
           <a:pPr>
-            <a:defRPr sz="1800" b="0" i="0" u="none" strike="noStrike" kern="1200" baseline="0">
+            <a:defRPr sz="2000" b="0" i="0" u="none" strike="noStrike" kern="1200" baseline="0">
               <a:solidFill>
-                <a:schemeClr val="tx1"/>
+                <a:sysClr val="windowText" lastClr="000000"/>
               </a:solidFill>
               <a:latin typeface="+mn-lt"/>
               <a:ea typeface="+mn-ea"/>
@@ -1530,9 +1593,7 @@
     <c:showDLblsOverMax val="0"/>
   </c:chart>
   <c:spPr>
-    <a:solidFill>
-      <a:schemeClr val="bg1"/>
-    </a:solidFill>
+    <a:noFill/>
     <a:ln w="9525" cap="flat" cmpd="sng" algn="ctr">
       <a:noFill/>
       <a:round/>
@@ -1544,7 +1605,7 @@
     <a:lstStyle/>
     <a:p>
       <a:pPr>
-        <a:defRPr sz="1800">
+        <a:defRPr sz="2000">
           <a:solidFill>
             <a:sysClr val="windowText" lastClr="000000"/>
           </a:solidFill>
@@ -2144,15 +2205,15 @@
         </p:nvSpPr>
         <p:spPr>
           <a:xfrm>
-            <a:off x="914400" y="748242"/>
-            <a:ext cx="5486400" cy="1591733"/>
+            <a:off x="637818" y="1062608"/>
+            <a:ext cx="7228602" cy="2260482"/>
           </a:xfrm>
         </p:spPr>
         <p:txBody>
           <a:bodyPr anchor="b"/>
           <a:lstStyle>
             <a:lvl1pPr algn="ctr">
-              <a:defRPr sz="3600"/>
+              <a:defRPr sz="5580"/>
             </a:lvl1pPr>
           </a:lstStyle>
           <a:p>
@@ -2176,8 +2237,8 @@
         </p:nvSpPr>
         <p:spPr>
           <a:xfrm>
-            <a:off x="914400" y="2401359"/>
-            <a:ext cx="5486400" cy="1103841"/>
+            <a:off x="1063030" y="3410263"/>
+            <a:ext cx="6378179" cy="1567608"/>
           </a:xfrm>
         </p:spPr>
         <p:txBody>
@@ -2185,39 +2246,39 @@
           <a:lstStyle>
             <a:lvl1pPr marL="0" indent="0" algn="ctr">
               <a:buNone/>
-              <a:defRPr sz="1440"/>
+              <a:defRPr sz="2232"/>
             </a:lvl1pPr>
-            <a:lvl2pPr marL="274320" indent="0" algn="ctr">
-              <a:buNone/>
-              <a:defRPr sz="1200"/>
+            <a:lvl2pPr marL="425196" indent="0" algn="ctr">
+              <a:buNone/>
+              <a:defRPr sz="1860"/>
             </a:lvl2pPr>
-            <a:lvl3pPr marL="548640" indent="0" algn="ctr">
-              <a:buNone/>
-              <a:defRPr sz="1080"/>
+            <a:lvl3pPr marL="850392" indent="0" algn="ctr">
+              <a:buNone/>
+              <a:defRPr sz="1674"/>
             </a:lvl3pPr>
-            <a:lvl4pPr marL="822960" indent="0" algn="ctr">
-              <a:buNone/>
-              <a:defRPr sz="960"/>
+            <a:lvl4pPr marL="1275588" indent="0" algn="ctr">
+              <a:buNone/>
+              <a:defRPr sz="1488"/>
             </a:lvl4pPr>
-            <a:lvl5pPr marL="1097280" indent="0" algn="ctr">
-              <a:buNone/>
-              <a:defRPr sz="960"/>
+            <a:lvl5pPr marL="1700784" indent="0" algn="ctr">
+              <a:buNone/>
+              <a:defRPr sz="1488"/>
             </a:lvl5pPr>
-            <a:lvl6pPr marL="1371600" indent="0" algn="ctr">
-              <a:buNone/>
-              <a:defRPr sz="960"/>
+            <a:lvl6pPr marL="2125980" indent="0" algn="ctr">
+              <a:buNone/>
+              <a:defRPr sz="1488"/>
             </a:lvl6pPr>
-            <a:lvl7pPr marL="1645920" indent="0" algn="ctr">
-              <a:buNone/>
-              <a:defRPr sz="960"/>
+            <a:lvl7pPr marL="2551176" indent="0" algn="ctr">
+              <a:buNone/>
+              <a:defRPr sz="1488"/>
             </a:lvl7pPr>
-            <a:lvl8pPr marL="1920240" indent="0" algn="ctr">
-              <a:buNone/>
-              <a:defRPr sz="960"/>
+            <a:lvl8pPr marL="2976372" indent="0" algn="ctr">
+              <a:buNone/>
+              <a:defRPr sz="1488"/>
             </a:lvl8pPr>
-            <a:lvl9pPr marL="2194560" indent="0" algn="ctr">
-              <a:buNone/>
-              <a:defRPr sz="960"/>
+            <a:lvl9pPr marL="3401568" indent="0" algn="ctr">
+              <a:buNone/>
+              <a:defRPr sz="1488"/>
             </a:lvl9pPr>
           </a:lstStyle>
           <a:p>
@@ -2246,7 +2307,7 @@
           <a:p>
             <a:fld id="{12FE5160-4BDC-4E4D-8BE1-B210DD02BD2D}" type="datetimeFigureOut">
               <a:rPr lang="en-US" smtClean="0"/>
-              <a:t>8/24/2020</a:t>
+              <a:t>8/26/2020</a:t>
             </a:fld>
             <a:endParaRPr lang="en-US"/>
           </a:p>
@@ -2297,7 +2358,7 @@
     </p:spTree>
     <p:extLst>
       <p:ext uri="{BB962C8B-B14F-4D97-AF65-F5344CB8AC3E}">
-        <p14:creationId xmlns:p14="http://schemas.microsoft.com/office/powerpoint/2010/main" val="3992583222"/>
+        <p14:creationId xmlns:p14="http://schemas.microsoft.com/office/powerpoint/2010/main" val="2652424063"/>
       </p:ext>
     </p:extLst>
   </p:cSld>
@@ -2416,7 +2477,7 @@
           <a:p>
             <a:fld id="{12FE5160-4BDC-4E4D-8BE1-B210DD02BD2D}" type="datetimeFigureOut">
               <a:rPr lang="en-US" smtClean="0"/>
-              <a:t>8/24/2020</a:t>
+              <a:t>8/26/2020</a:t>
             </a:fld>
             <a:endParaRPr lang="en-US"/>
           </a:p>
@@ -2467,7 +2528,7 @@
     </p:spTree>
     <p:extLst>
       <p:ext uri="{BB962C8B-B14F-4D97-AF65-F5344CB8AC3E}">
-        <p14:creationId xmlns:p14="http://schemas.microsoft.com/office/powerpoint/2010/main" val="1379196963"/>
+        <p14:creationId xmlns:p14="http://schemas.microsoft.com/office/powerpoint/2010/main" val="2918787636"/>
       </p:ext>
     </p:extLst>
   </p:cSld>
@@ -2506,8 +2567,8 @@
         </p:nvSpPr>
         <p:spPr>
           <a:xfrm>
-            <a:off x="5234940" y="243417"/>
-            <a:ext cx="1577340" cy="3874559"/>
+            <a:off x="6085846" y="345686"/>
+            <a:ext cx="1833726" cy="5502411"/>
           </a:xfrm>
         </p:spPr>
         <p:txBody>
@@ -2534,8 +2595,8 @@
         </p:nvSpPr>
         <p:spPr>
           <a:xfrm>
-            <a:off x="502920" y="243417"/>
-            <a:ext cx="4640580" cy="3874559"/>
+            <a:off x="584667" y="345686"/>
+            <a:ext cx="5394876" cy="5502411"/>
           </a:xfrm>
         </p:spPr>
         <p:txBody>
@@ -2596,7 +2657,7 @@
           <a:p>
             <a:fld id="{12FE5160-4BDC-4E4D-8BE1-B210DD02BD2D}" type="datetimeFigureOut">
               <a:rPr lang="en-US" smtClean="0"/>
-              <a:t>8/24/2020</a:t>
+              <a:t>8/26/2020</a:t>
             </a:fld>
             <a:endParaRPr lang="en-US"/>
           </a:p>
@@ -2647,7 +2708,7 @@
     </p:spTree>
     <p:extLst>
       <p:ext uri="{BB962C8B-B14F-4D97-AF65-F5344CB8AC3E}">
-        <p14:creationId xmlns:p14="http://schemas.microsoft.com/office/powerpoint/2010/main" val="1546966110"/>
+        <p14:creationId xmlns:p14="http://schemas.microsoft.com/office/powerpoint/2010/main" val="2922503081"/>
       </p:ext>
     </p:extLst>
   </p:cSld>
@@ -2766,7 +2827,7 @@
           <a:p>
             <a:fld id="{12FE5160-4BDC-4E4D-8BE1-B210DD02BD2D}" type="datetimeFigureOut">
               <a:rPr lang="en-US" smtClean="0"/>
-              <a:t>8/24/2020</a:t>
+              <a:t>8/26/2020</a:t>
             </a:fld>
             <a:endParaRPr lang="en-US"/>
           </a:p>
@@ -2817,7 +2878,7 @@
     </p:spTree>
     <p:extLst>
       <p:ext uri="{BB962C8B-B14F-4D97-AF65-F5344CB8AC3E}">
-        <p14:creationId xmlns:p14="http://schemas.microsoft.com/office/powerpoint/2010/main" val="295612052"/>
+        <p14:creationId xmlns:p14="http://schemas.microsoft.com/office/powerpoint/2010/main" val="3031403704"/>
       </p:ext>
     </p:extLst>
   </p:cSld>
@@ -2856,15 +2917,15 @@
         </p:nvSpPr>
         <p:spPr>
           <a:xfrm>
-            <a:off x="499110" y="1139826"/>
-            <a:ext cx="6309360" cy="1901825"/>
+            <a:off x="580238" y="1618712"/>
+            <a:ext cx="7334905" cy="2700855"/>
           </a:xfrm>
         </p:spPr>
         <p:txBody>
           <a:bodyPr anchor="b"/>
           <a:lstStyle>
             <a:lvl1pPr>
-              <a:defRPr sz="3600"/>
+              <a:defRPr sz="5580"/>
             </a:lvl1pPr>
           </a:lstStyle>
           <a:p>
@@ -2888,8 +2949,8 @@
         </p:nvSpPr>
         <p:spPr>
           <a:xfrm>
-            <a:off x="499110" y="3059642"/>
-            <a:ext cx="6309360" cy="1000125"/>
+            <a:off x="580238" y="4345118"/>
+            <a:ext cx="7334905" cy="1420316"/>
           </a:xfrm>
         </p:spPr>
         <p:txBody>
@@ -2897,17 +2958,15 @@
           <a:lstStyle>
             <a:lvl1pPr marL="0" indent="0">
               <a:buNone/>
-              <a:defRPr sz="1440">
+              <a:defRPr sz="2232">
                 <a:solidFill>
-                  <a:schemeClr val="tx1">
-                    <a:tint val="75000"/>
-                  </a:schemeClr>
+                  <a:schemeClr val="tx1"/>
                 </a:solidFill>
               </a:defRPr>
             </a:lvl1pPr>
-            <a:lvl2pPr marL="274320" indent="0">
-              <a:buNone/>
-              <a:defRPr sz="1200">
+            <a:lvl2pPr marL="425196" indent="0">
+              <a:buNone/>
+              <a:defRPr sz="1860">
                 <a:solidFill>
                   <a:schemeClr val="tx1">
                     <a:tint val="75000"/>
@@ -2915,9 +2974,9 @@
                 </a:solidFill>
               </a:defRPr>
             </a:lvl2pPr>
-            <a:lvl3pPr marL="548640" indent="0">
-              <a:buNone/>
-              <a:defRPr sz="1080">
+            <a:lvl3pPr marL="850392" indent="0">
+              <a:buNone/>
+              <a:defRPr sz="1674">
                 <a:solidFill>
                   <a:schemeClr val="tx1">
                     <a:tint val="75000"/>
@@ -2925,9 +2984,9 @@
                 </a:solidFill>
               </a:defRPr>
             </a:lvl3pPr>
-            <a:lvl4pPr marL="822960" indent="0">
-              <a:buNone/>
-              <a:defRPr sz="960">
+            <a:lvl4pPr marL="1275588" indent="0">
+              <a:buNone/>
+              <a:defRPr sz="1488">
                 <a:solidFill>
                   <a:schemeClr val="tx1">
                     <a:tint val="75000"/>
@@ -2935,9 +2994,9 @@
                 </a:solidFill>
               </a:defRPr>
             </a:lvl4pPr>
-            <a:lvl5pPr marL="1097280" indent="0">
-              <a:buNone/>
-              <a:defRPr sz="960">
+            <a:lvl5pPr marL="1700784" indent="0">
+              <a:buNone/>
+              <a:defRPr sz="1488">
                 <a:solidFill>
                   <a:schemeClr val="tx1">
                     <a:tint val="75000"/>
@@ -2945,9 +3004,9 @@
                 </a:solidFill>
               </a:defRPr>
             </a:lvl5pPr>
-            <a:lvl6pPr marL="1371600" indent="0">
-              <a:buNone/>
-              <a:defRPr sz="960">
+            <a:lvl6pPr marL="2125980" indent="0">
+              <a:buNone/>
+              <a:defRPr sz="1488">
                 <a:solidFill>
                   <a:schemeClr val="tx1">
                     <a:tint val="75000"/>
@@ -2955,9 +3014,9 @@
                 </a:solidFill>
               </a:defRPr>
             </a:lvl6pPr>
-            <a:lvl7pPr marL="1645920" indent="0">
-              <a:buNone/>
-              <a:defRPr sz="960">
+            <a:lvl7pPr marL="2551176" indent="0">
+              <a:buNone/>
+              <a:defRPr sz="1488">
                 <a:solidFill>
                   <a:schemeClr val="tx1">
                     <a:tint val="75000"/>
@@ -2965,9 +3024,9 @@
                 </a:solidFill>
               </a:defRPr>
             </a:lvl7pPr>
-            <a:lvl8pPr marL="1920240" indent="0">
-              <a:buNone/>
-              <a:defRPr sz="960">
+            <a:lvl8pPr marL="2976372" indent="0">
+              <a:buNone/>
+              <a:defRPr sz="1488">
                 <a:solidFill>
                   <a:schemeClr val="tx1">
                     <a:tint val="75000"/>
@@ -2975,9 +3034,9 @@
                 </a:solidFill>
               </a:defRPr>
             </a:lvl8pPr>
-            <a:lvl9pPr marL="2194560" indent="0">
-              <a:buNone/>
-              <a:defRPr sz="960">
+            <a:lvl9pPr marL="3401568" indent="0">
+              <a:buNone/>
+              <a:defRPr sz="1488">
                 <a:solidFill>
                   <a:schemeClr val="tx1">
                     <a:tint val="75000"/>
@@ -3012,7 +3071,7 @@
           <a:p>
             <a:fld id="{12FE5160-4BDC-4E4D-8BE1-B210DD02BD2D}" type="datetimeFigureOut">
               <a:rPr lang="en-US" smtClean="0"/>
-              <a:t>8/24/2020</a:t>
+              <a:t>8/26/2020</a:t>
             </a:fld>
             <a:endParaRPr lang="en-US"/>
           </a:p>
@@ -3063,7 +3122,7 @@
     </p:spTree>
     <p:extLst>
       <p:ext uri="{BB962C8B-B14F-4D97-AF65-F5344CB8AC3E}">
-        <p14:creationId xmlns:p14="http://schemas.microsoft.com/office/powerpoint/2010/main" val="15398345"/>
+        <p14:creationId xmlns:p14="http://schemas.microsoft.com/office/powerpoint/2010/main" val="1517732553"/>
       </p:ext>
     </p:extLst>
   </p:cSld>
@@ -3125,8 +3184,8 @@
         </p:nvSpPr>
         <p:spPr>
           <a:xfrm>
-            <a:off x="502920" y="1217083"/>
-            <a:ext cx="3108960" cy="2900892"/>
+            <a:off x="584666" y="1728427"/>
+            <a:ext cx="3614301" cy="4119670"/>
           </a:xfrm>
         </p:spPr>
         <p:txBody>
@@ -3182,8 +3241,8 @@
         </p:nvSpPr>
         <p:spPr>
           <a:xfrm>
-            <a:off x="3703320" y="1217083"/>
-            <a:ext cx="3108960" cy="2900892"/>
+            <a:off x="4305271" y="1728427"/>
+            <a:ext cx="3614301" cy="4119670"/>
           </a:xfrm>
         </p:spPr>
         <p:txBody>
@@ -3244,7 +3303,7 @@
           <a:p>
             <a:fld id="{12FE5160-4BDC-4E4D-8BE1-B210DD02BD2D}" type="datetimeFigureOut">
               <a:rPr lang="en-US" smtClean="0"/>
-              <a:t>8/24/2020</a:t>
+              <a:t>8/26/2020</a:t>
             </a:fld>
             <a:endParaRPr lang="en-US"/>
           </a:p>
@@ -3295,7 +3354,7 @@
     </p:spTree>
     <p:extLst>
       <p:ext uri="{BB962C8B-B14F-4D97-AF65-F5344CB8AC3E}">
-        <p14:creationId xmlns:p14="http://schemas.microsoft.com/office/powerpoint/2010/main" val="2835466176"/>
+        <p14:creationId xmlns:p14="http://schemas.microsoft.com/office/powerpoint/2010/main" val="1246761408"/>
       </p:ext>
     </p:extLst>
   </p:cSld>
@@ -3334,8 +3393,8 @@
         </p:nvSpPr>
         <p:spPr>
           <a:xfrm>
-            <a:off x="503873" y="243417"/>
-            <a:ext cx="6309360" cy="883709"/>
+            <a:off x="585774" y="345687"/>
+            <a:ext cx="7334905" cy="1254989"/>
           </a:xfrm>
         </p:spPr>
         <p:txBody>
@@ -3362,8 +3421,8 @@
         </p:nvSpPr>
         <p:spPr>
           <a:xfrm>
-            <a:off x="503873" y="1120775"/>
-            <a:ext cx="3094672" cy="549275"/>
+            <a:off x="585775" y="1591657"/>
+            <a:ext cx="3597691" cy="780046"/>
           </a:xfrm>
         </p:spPr>
         <p:txBody>
@@ -3371,39 +3430,39 @@
           <a:lstStyle>
             <a:lvl1pPr marL="0" indent="0">
               <a:buNone/>
-              <a:defRPr sz="1440" b="1"/>
+              <a:defRPr sz="2232" b="1"/>
             </a:lvl1pPr>
-            <a:lvl2pPr marL="274320" indent="0">
-              <a:buNone/>
-              <a:defRPr sz="1200" b="1"/>
+            <a:lvl2pPr marL="425196" indent="0">
+              <a:buNone/>
+              <a:defRPr sz="1860" b="1"/>
             </a:lvl2pPr>
-            <a:lvl3pPr marL="548640" indent="0">
-              <a:buNone/>
-              <a:defRPr sz="1080" b="1"/>
+            <a:lvl3pPr marL="850392" indent="0">
+              <a:buNone/>
+              <a:defRPr sz="1674" b="1"/>
             </a:lvl3pPr>
-            <a:lvl4pPr marL="822960" indent="0">
-              <a:buNone/>
-              <a:defRPr sz="960" b="1"/>
+            <a:lvl4pPr marL="1275588" indent="0">
+              <a:buNone/>
+              <a:defRPr sz="1488" b="1"/>
             </a:lvl4pPr>
-            <a:lvl5pPr marL="1097280" indent="0">
-              <a:buNone/>
-              <a:defRPr sz="960" b="1"/>
+            <a:lvl5pPr marL="1700784" indent="0">
+              <a:buNone/>
+              <a:defRPr sz="1488" b="1"/>
             </a:lvl5pPr>
-            <a:lvl6pPr marL="1371600" indent="0">
-              <a:buNone/>
-              <a:defRPr sz="960" b="1"/>
+            <a:lvl6pPr marL="2125980" indent="0">
+              <a:buNone/>
+              <a:defRPr sz="1488" b="1"/>
             </a:lvl6pPr>
-            <a:lvl7pPr marL="1645920" indent="0">
-              <a:buNone/>
-              <a:defRPr sz="960" b="1"/>
+            <a:lvl7pPr marL="2551176" indent="0">
+              <a:buNone/>
+              <a:defRPr sz="1488" b="1"/>
             </a:lvl7pPr>
-            <a:lvl8pPr marL="1920240" indent="0">
-              <a:buNone/>
-              <a:defRPr sz="960" b="1"/>
+            <a:lvl8pPr marL="2976372" indent="0">
+              <a:buNone/>
+              <a:defRPr sz="1488" b="1"/>
             </a:lvl8pPr>
-            <a:lvl9pPr marL="2194560" indent="0">
-              <a:buNone/>
-              <a:defRPr sz="960" b="1"/>
+            <a:lvl9pPr marL="3401568" indent="0">
+              <a:buNone/>
+              <a:defRPr sz="1488" b="1"/>
             </a:lvl9pPr>
           </a:lstStyle>
           <a:p>
@@ -3427,8 +3486,8 @@
         </p:nvSpPr>
         <p:spPr>
           <a:xfrm>
-            <a:off x="503873" y="1670050"/>
-            <a:ext cx="3094672" cy="2456392"/>
+            <a:off x="585775" y="2371703"/>
+            <a:ext cx="3597691" cy="3488418"/>
           </a:xfrm>
         </p:spPr>
         <p:txBody>
@@ -3484,8 +3543,8 @@
         </p:nvSpPr>
         <p:spPr>
           <a:xfrm>
-            <a:off x="3703320" y="1120775"/>
-            <a:ext cx="3109913" cy="549275"/>
+            <a:off x="4305271" y="1591657"/>
+            <a:ext cx="3615409" cy="780046"/>
           </a:xfrm>
         </p:spPr>
         <p:txBody>
@@ -3493,39 +3552,39 @@
           <a:lstStyle>
             <a:lvl1pPr marL="0" indent="0">
               <a:buNone/>
-              <a:defRPr sz="1440" b="1"/>
+              <a:defRPr sz="2232" b="1"/>
             </a:lvl1pPr>
-            <a:lvl2pPr marL="274320" indent="0">
-              <a:buNone/>
-              <a:defRPr sz="1200" b="1"/>
+            <a:lvl2pPr marL="425196" indent="0">
+              <a:buNone/>
+              <a:defRPr sz="1860" b="1"/>
             </a:lvl2pPr>
-            <a:lvl3pPr marL="548640" indent="0">
-              <a:buNone/>
-              <a:defRPr sz="1080" b="1"/>
+            <a:lvl3pPr marL="850392" indent="0">
+              <a:buNone/>
+              <a:defRPr sz="1674" b="1"/>
             </a:lvl3pPr>
-            <a:lvl4pPr marL="822960" indent="0">
-              <a:buNone/>
-              <a:defRPr sz="960" b="1"/>
+            <a:lvl4pPr marL="1275588" indent="0">
+              <a:buNone/>
+              <a:defRPr sz="1488" b="1"/>
             </a:lvl4pPr>
-            <a:lvl5pPr marL="1097280" indent="0">
-              <a:buNone/>
-              <a:defRPr sz="960" b="1"/>
+            <a:lvl5pPr marL="1700784" indent="0">
+              <a:buNone/>
+              <a:defRPr sz="1488" b="1"/>
             </a:lvl5pPr>
-            <a:lvl6pPr marL="1371600" indent="0">
-              <a:buNone/>
-              <a:defRPr sz="960" b="1"/>
+            <a:lvl6pPr marL="2125980" indent="0">
+              <a:buNone/>
+              <a:defRPr sz="1488" b="1"/>
             </a:lvl6pPr>
-            <a:lvl7pPr marL="1645920" indent="0">
-              <a:buNone/>
-              <a:defRPr sz="960" b="1"/>
+            <a:lvl7pPr marL="2551176" indent="0">
+              <a:buNone/>
+              <a:defRPr sz="1488" b="1"/>
             </a:lvl7pPr>
-            <a:lvl8pPr marL="1920240" indent="0">
-              <a:buNone/>
-              <a:defRPr sz="960" b="1"/>
+            <a:lvl8pPr marL="2976372" indent="0">
+              <a:buNone/>
+              <a:defRPr sz="1488" b="1"/>
             </a:lvl8pPr>
-            <a:lvl9pPr marL="2194560" indent="0">
-              <a:buNone/>
-              <a:defRPr sz="960" b="1"/>
+            <a:lvl9pPr marL="3401568" indent="0">
+              <a:buNone/>
+              <a:defRPr sz="1488" b="1"/>
             </a:lvl9pPr>
           </a:lstStyle>
           <a:p>
@@ -3549,8 +3608,8 @@
         </p:nvSpPr>
         <p:spPr>
           <a:xfrm>
-            <a:off x="3703320" y="1670050"/>
-            <a:ext cx="3109913" cy="2456392"/>
+            <a:off x="4305271" y="2371703"/>
+            <a:ext cx="3615409" cy="3488418"/>
           </a:xfrm>
         </p:spPr>
         <p:txBody>
@@ -3611,7 +3670,7 @@
           <a:p>
             <a:fld id="{12FE5160-4BDC-4E4D-8BE1-B210DD02BD2D}" type="datetimeFigureOut">
               <a:rPr lang="en-US" smtClean="0"/>
-              <a:t>8/24/2020</a:t>
+              <a:t>8/26/2020</a:t>
             </a:fld>
             <a:endParaRPr lang="en-US"/>
           </a:p>
@@ -3662,7 +3721,7 @@
     </p:spTree>
     <p:extLst>
       <p:ext uri="{BB962C8B-B14F-4D97-AF65-F5344CB8AC3E}">
-        <p14:creationId xmlns:p14="http://schemas.microsoft.com/office/powerpoint/2010/main" val="923011928"/>
+        <p14:creationId xmlns:p14="http://schemas.microsoft.com/office/powerpoint/2010/main" val="2326692918"/>
       </p:ext>
     </p:extLst>
   </p:cSld>
@@ -3729,7 +3788,7 @@
           <a:p>
             <a:fld id="{12FE5160-4BDC-4E4D-8BE1-B210DD02BD2D}" type="datetimeFigureOut">
               <a:rPr lang="en-US" smtClean="0"/>
-              <a:t>8/24/2020</a:t>
+              <a:t>8/26/2020</a:t>
             </a:fld>
             <a:endParaRPr lang="en-US"/>
           </a:p>
@@ -3780,7 +3839,7 @@
     </p:spTree>
     <p:extLst>
       <p:ext uri="{BB962C8B-B14F-4D97-AF65-F5344CB8AC3E}">
-        <p14:creationId xmlns:p14="http://schemas.microsoft.com/office/powerpoint/2010/main" val="2579579538"/>
+        <p14:creationId xmlns:p14="http://schemas.microsoft.com/office/powerpoint/2010/main" val="2045639139"/>
       </p:ext>
     </p:extLst>
   </p:cSld>
@@ -3824,7 +3883,7 @@
           <a:p>
             <a:fld id="{12FE5160-4BDC-4E4D-8BE1-B210DD02BD2D}" type="datetimeFigureOut">
               <a:rPr lang="en-US" smtClean="0"/>
-              <a:t>8/24/2020</a:t>
+              <a:t>8/26/2020</a:t>
             </a:fld>
             <a:endParaRPr lang="en-US"/>
           </a:p>
@@ -3875,7 +3934,7 @@
     </p:spTree>
     <p:extLst>
       <p:ext uri="{BB962C8B-B14F-4D97-AF65-F5344CB8AC3E}">
-        <p14:creationId xmlns:p14="http://schemas.microsoft.com/office/powerpoint/2010/main" val="1042971018"/>
+        <p14:creationId xmlns:p14="http://schemas.microsoft.com/office/powerpoint/2010/main" val="3142032707"/>
       </p:ext>
     </p:extLst>
   </p:cSld>
@@ -3914,15 +3973,15 @@
         </p:nvSpPr>
         <p:spPr>
           <a:xfrm>
-            <a:off x="503873" y="304800"/>
-            <a:ext cx="2359342" cy="1066800"/>
+            <a:off x="585774" y="432858"/>
+            <a:ext cx="2742838" cy="1515004"/>
           </a:xfrm>
         </p:spPr>
         <p:txBody>
           <a:bodyPr anchor="b"/>
           <a:lstStyle>
             <a:lvl1pPr>
-              <a:defRPr sz="1920"/>
+              <a:defRPr sz="2976"/>
             </a:lvl1pPr>
           </a:lstStyle>
           <a:p>
@@ -3946,39 +4005,39 @@
         </p:nvSpPr>
         <p:spPr>
           <a:xfrm>
-            <a:off x="3109913" y="658284"/>
-            <a:ext cx="3703320" cy="3249083"/>
+            <a:off x="3615409" y="934855"/>
+            <a:ext cx="4305270" cy="4614150"/>
           </a:xfrm>
         </p:spPr>
         <p:txBody>
           <a:bodyPr/>
           <a:lstStyle>
             <a:lvl1pPr>
-              <a:defRPr sz="1920"/>
+              <a:defRPr sz="2976"/>
             </a:lvl1pPr>
             <a:lvl2pPr>
-              <a:defRPr sz="1680"/>
+              <a:defRPr sz="2604"/>
             </a:lvl2pPr>
             <a:lvl3pPr>
-              <a:defRPr sz="1440"/>
+              <a:defRPr sz="2232"/>
             </a:lvl3pPr>
             <a:lvl4pPr>
-              <a:defRPr sz="1200"/>
+              <a:defRPr sz="1860"/>
             </a:lvl4pPr>
             <a:lvl5pPr>
-              <a:defRPr sz="1200"/>
+              <a:defRPr sz="1860"/>
             </a:lvl5pPr>
             <a:lvl6pPr>
-              <a:defRPr sz="1200"/>
+              <a:defRPr sz="1860"/>
             </a:lvl6pPr>
             <a:lvl7pPr>
-              <a:defRPr sz="1200"/>
+              <a:defRPr sz="1860"/>
             </a:lvl7pPr>
             <a:lvl8pPr>
-              <a:defRPr sz="1200"/>
+              <a:defRPr sz="1860"/>
             </a:lvl8pPr>
             <a:lvl9pPr>
-              <a:defRPr sz="1200"/>
+              <a:defRPr sz="1860"/>
             </a:lvl9pPr>
           </a:lstStyle>
           <a:p>
@@ -4031,8 +4090,8 @@
         </p:nvSpPr>
         <p:spPr>
           <a:xfrm>
-            <a:off x="503873" y="1371600"/>
-            <a:ext cx="2359342" cy="2541059"/>
+            <a:off x="585774" y="1947863"/>
+            <a:ext cx="2742838" cy="3608656"/>
           </a:xfrm>
         </p:spPr>
         <p:txBody>
@@ -4040,39 +4099,39 @@
           <a:lstStyle>
             <a:lvl1pPr marL="0" indent="0">
               <a:buNone/>
-              <a:defRPr sz="960"/>
+              <a:defRPr sz="1488"/>
             </a:lvl1pPr>
-            <a:lvl2pPr marL="274320" indent="0">
-              <a:buNone/>
-              <a:defRPr sz="840"/>
+            <a:lvl2pPr marL="425196" indent="0">
+              <a:buNone/>
+              <a:defRPr sz="1302"/>
             </a:lvl2pPr>
-            <a:lvl3pPr marL="548640" indent="0">
-              <a:buNone/>
-              <a:defRPr sz="720"/>
+            <a:lvl3pPr marL="850392" indent="0">
+              <a:buNone/>
+              <a:defRPr sz="1116"/>
             </a:lvl3pPr>
-            <a:lvl4pPr marL="822960" indent="0">
-              <a:buNone/>
-              <a:defRPr sz="600"/>
+            <a:lvl4pPr marL="1275588" indent="0">
+              <a:buNone/>
+              <a:defRPr sz="930"/>
             </a:lvl4pPr>
-            <a:lvl5pPr marL="1097280" indent="0">
-              <a:buNone/>
-              <a:defRPr sz="600"/>
+            <a:lvl5pPr marL="1700784" indent="0">
+              <a:buNone/>
+              <a:defRPr sz="930"/>
             </a:lvl5pPr>
-            <a:lvl6pPr marL="1371600" indent="0">
-              <a:buNone/>
-              <a:defRPr sz="600"/>
+            <a:lvl6pPr marL="2125980" indent="0">
+              <a:buNone/>
+              <a:defRPr sz="930"/>
             </a:lvl6pPr>
-            <a:lvl7pPr marL="1645920" indent="0">
-              <a:buNone/>
-              <a:defRPr sz="600"/>
+            <a:lvl7pPr marL="2551176" indent="0">
+              <a:buNone/>
+              <a:defRPr sz="930"/>
             </a:lvl7pPr>
-            <a:lvl8pPr marL="1920240" indent="0">
-              <a:buNone/>
-              <a:defRPr sz="600"/>
+            <a:lvl8pPr marL="2976372" indent="0">
+              <a:buNone/>
+              <a:defRPr sz="930"/>
             </a:lvl8pPr>
-            <a:lvl9pPr marL="2194560" indent="0">
-              <a:buNone/>
-              <a:defRPr sz="600"/>
+            <a:lvl9pPr marL="3401568" indent="0">
+              <a:buNone/>
+              <a:defRPr sz="930"/>
             </a:lvl9pPr>
           </a:lstStyle>
           <a:p>
@@ -4101,7 +4160,7 @@
           <a:p>
             <a:fld id="{12FE5160-4BDC-4E4D-8BE1-B210DD02BD2D}" type="datetimeFigureOut">
               <a:rPr lang="en-US" smtClean="0"/>
-              <a:t>8/24/2020</a:t>
+              <a:t>8/26/2020</a:t>
             </a:fld>
             <a:endParaRPr lang="en-US"/>
           </a:p>
@@ -4152,7 +4211,7 @@
     </p:spTree>
     <p:extLst>
       <p:ext uri="{BB962C8B-B14F-4D97-AF65-F5344CB8AC3E}">
-        <p14:creationId xmlns:p14="http://schemas.microsoft.com/office/powerpoint/2010/main" val="4194518120"/>
+        <p14:creationId xmlns:p14="http://schemas.microsoft.com/office/powerpoint/2010/main" val="2819499893"/>
       </p:ext>
     </p:extLst>
   </p:cSld>
@@ -4191,15 +4250,15 @@
         </p:nvSpPr>
         <p:spPr>
           <a:xfrm>
-            <a:off x="503873" y="304800"/>
-            <a:ext cx="2359342" cy="1066800"/>
+            <a:off x="585774" y="432858"/>
+            <a:ext cx="2742838" cy="1515004"/>
           </a:xfrm>
         </p:spPr>
         <p:txBody>
           <a:bodyPr anchor="b"/>
           <a:lstStyle>
             <a:lvl1pPr>
-              <a:defRPr sz="1920"/>
+              <a:defRPr sz="2976"/>
             </a:lvl1pPr>
           </a:lstStyle>
           <a:p>
@@ -4223,8 +4282,8 @@
         </p:nvSpPr>
         <p:spPr>
           <a:xfrm>
-            <a:off x="3109913" y="658284"/>
-            <a:ext cx="3703320" cy="3249083"/>
+            <a:off x="3615409" y="934855"/>
+            <a:ext cx="4305270" cy="4614150"/>
           </a:xfrm>
         </p:spPr>
         <p:txBody>
@@ -4232,39 +4291,39 @@
           <a:lstStyle>
             <a:lvl1pPr marL="0" indent="0">
               <a:buNone/>
-              <a:defRPr sz="1920"/>
+              <a:defRPr sz="2976"/>
             </a:lvl1pPr>
-            <a:lvl2pPr marL="274320" indent="0">
-              <a:buNone/>
-              <a:defRPr sz="1680"/>
+            <a:lvl2pPr marL="425196" indent="0">
+              <a:buNone/>
+              <a:defRPr sz="2604"/>
             </a:lvl2pPr>
-            <a:lvl3pPr marL="548640" indent="0">
-              <a:buNone/>
-              <a:defRPr sz="1440"/>
+            <a:lvl3pPr marL="850392" indent="0">
+              <a:buNone/>
+              <a:defRPr sz="2232"/>
             </a:lvl3pPr>
-            <a:lvl4pPr marL="822960" indent="0">
-              <a:buNone/>
-              <a:defRPr sz="1200"/>
+            <a:lvl4pPr marL="1275588" indent="0">
+              <a:buNone/>
+              <a:defRPr sz="1860"/>
             </a:lvl4pPr>
-            <a:lvl5pPr marL="1097280" indent="0">
-              <a:buNone/>
-              <a:defRPr sz="1200"/>
+            <a:lvl5pPr marL="1700784" indent="0">
+              <a:buNone/>
+              <a:defRPr sz="1860"/>
             </a:lvl5pPr>
-            <a:lvl6pPr marL="1371600" indent="0">
-              <a:buNone/>
-              <a:defRPr sz="1200"/>
+            <a:lvl6pPr marL="2125980" indent="0">
+              <a:buNone/>
+              <a:defRPr sz="1860"/>
             </a:lvl6pPr>
-            <a:lvl7pPr marL="1645920" indent="0">
-              <a:buNone/>
-              <a:defRPr sz="1200"/>
+            <a:lvl7pPr marL="2551176" indent="0">
+              <a:buNone/>
+              <a:defRPr sz="1860"/>
             </a:lvl7pPr>
-            <a:lvl8pPr marL="1920240" indent="0">
-              <a:buNone/>
-              <a:defRPr sz="1200"/>
+            <a:lvl8pPr marL="2976372" indent="0">
+              <a:buNone/>
+              <a:defRPr sz="1860"/>
             </a:lvl8pPr>
-            <a:lvl9pPr marL="2194560" indent="0">
-              <a:buNone/>
-              <a:defRPr sz="1200"/>
+            <a:lvl9pPr marL="3401568" indent="0">
+              <a:buNone/>
+              <a:defRPr sz="1860"/>
             </a:lvl9pPr>
           </a:lstStyle>
           <a:p>
@@ -4288,8 +4347,8 @@
         </p:nvSpPr>
         <p:spPr>
           <a:xfrm>
-            <a:off x="503873" y="1371600"/>
-            <a:ext cx="2359342" cy="2541059"/>
+            <a:off x="585774" y="1947863"/>
+            <a:ext cx="2742838" cy="3608656"/>
           </a:xfrm>
         </p:spPr>
         <p:txBody>
@@ -4297,39 +4356,39 @@
           <a:lstStyle>
             <a:lvl1pPr marL="0" indent="0">
               <a:buNone/>
-              <a:defRPr sz="960"/>
+              <a:defRPr sz="1488"/>
             </a:lvl1pPr>
-            <a:lvl2pPr marL="274320" indent="0">
-              <a:buNone/>
-              <a:defRPr sz="840"/>
+            <a:lvl2pPr marL="425196" indent="0">
+              <a:buNone/>
+              <a:defRPr sz="1302"/>
             </a:lvl2pPr>
-            <a:lvl3pPr marL="548640" indent="0">
-              <a:buNone/>
-              <a:defRPr sz="720"/>
+            <a:lvl3pPr marL="850392" indent="0">
+              <a:buNone/>
+              <a:defRPr sz="1116"/>
             </a:lvl3pPr>
-            <a:lvl4pPr marL="822960" indent="0">
-              <a:buNone/>
-              <a:defRPr sz="600"/>
+            <a:lvl4pPr marL="1275588" indent="0">
+              <a:buNone/>
+              <a:defRPr sz="930"/>
             </a:lvl4pPr>
-            <a:lvl5pPr marL="1097280" indent="0">
-              <a:buNone/>
-              <a:defRPr sz="600"/>
+            <a:lvl5pPr marL="1700784" indent="0">
+              <a:buNone/>
+              <a:defRPr sz="930"/>
             </a:lvl5pPr>
-            <a:lvl6pPr marL="1371600" indent="0">
-              <a:buNone/>
-              <a:defRPr sz="600"/>
+            <a:lvl6pPr marL="2125980" indent="0">
+              <a:buNone/>
+              <a:defRPr sz="930"/>
             </a:lvl6pPr>
-            <a:lvl7pPr marL="1645920" indent="0">
-              <a:buNone/>
-              <a:defRPr sz="600"/>
+            <a:lvl7pPr marL="2551176" indent="0">
+              <a:buNone/>
+              <a:defRPr sz="930"/>
             </a:lvl7pPr>
-            <a:lvl8pPr marL="1920240" indent="0">
-              <a:buNone/>
-              <a:defRPr sz="600"/>
+            <a:lvl8pPr marL="2976372" indent="0">
+              <a:buNone/>
+              <a:defRPr sz="930"/>
             </a:lvl8pPr>
-            <a:lvl9pPr marL="2194560" indent="0">
-              <a:buNone/>
-              <a:defRPr sz="600"/>
+            <a:lvl9pPr marL="3401568" indent="0">
+              <a:buNone/>
+              <a:defRPr sz="930"/>
             </a:lvl9pPr>
           </a:lstStyle>
           <a:p>
@@ -4358,7 +4417,7 @@
           <a:p>
             <a:fld id="{12FE5160-4BDC-4E4D-8BE1-B210DD02BD2D}" type="datetimeFigureOut">
               <a:rPr lang="en-US" smtClean="0"/>
-              <a:t>8/24/2020</a:t>
+              <a:t>8/26/2020</a:t>
             </a:fld>
             <a:endParaRPr lang="en-US"/>
           </a:p>
@@ -4409,7 +4468,7 @@
     </p:spTree>
     <p:extLst>
       <p:ext uri="{BB962C8B-B14F-4D97-AF65-F5344CB8AC3E}">
-        <p14:creationId xmlns:p14="http://schemas.microsoft.com/office/powerpoint/2010/main" val="3632889835"/>
+        <p14:creationId xmlns:p14="http://schemas.microsoft.com/office/powerpoint/2010/main" val="1891297084"/>
       </p:ext>
     </p:extLst>
   </p:cSld>
@@ -4453,8 +4512,8 @@
         </p:nvSpPr>
         <p:spPr>
           <a:xfrm>
-            <a:off x="502920" y="243417"/>
-            <a:ext cx="6309360" cy="883709"/>
+            <a:off x="584667" y="345687"/>
+            <a:ext cx="7334905" cy="1254989"/>
           </a:xfrm>
           <a:prstGeom prst="rect">
             <a:avLst/>
@@ -4486,8 +4545,8 @@
         </p:nvSpPr>
         <p:spPr>
           <a:xfrm>
-            <a:off x="502920" y="1217083"/>
-            <a:ext cx="6309360" cy="2900892"/>
+            <a:off x="584667" y="1728427"/>
+            <a:ext cx="7334905" cy="4119670"/>
           </a:xfrm>
           <a:prstGeom prst="rect">
             <a:avLst/>
@@ -4548,8 +4607,8 @@
         </p:nvSpPr>
         <p:spPr>
           <a:xfrm>
-            <a:off x="502920" y="4237567"/>
-            <a:ext cx="1645920" cy="243417"/>
+            <a:off x="584666" y="6017935"/>
+            <a:ext cx="1913454" cy="345685"/>
           </a:xfrm>
           <a:prstGeom prst="rect">
             <a:avLst/>
@@ -4559,7 +4618,7 @@
           <a:bodyPr vert="horz" lIns="91440" tIns="45720" rIns="91440" bIns="45720" rtlCol="0" anchor="ctr"/>
           <a:lstStyle>
             <a:lvl1pPr algn="l">
-              <a:defRPr sz="720">
+              <a:defRPr sz="1116">
                 <a:solidFill>
                   <a:schemeClr val="tx1">
                     <a:tint val="75000"/>
@@ -4571,7 +4630,7 @@
           <a:p>
             <a:fld id="{12FE5160-4BDC-4E4D-8BE1-B210DD02BD2D}" type="datetimeFigureOut">
               <a:rPr lang="en-US" smtClean="0"/>
-              <a:t>8/24/2020</a:t>
+              <a:t>8/26/2020</a:t>
             </a:fld>
             <a:endParaRPr lang="en-US"/>
           </a:p>
@@ -4589,8 +4648,8 @@
         </p:nvSpPr>
         <p:spPr>
           <a:xfrm>
-            <a:off x="2423160" y="4237567"/>
-            <a:ext cx="2468880" cy="243417"/>
+            <a:off x="2817029" y="6017935"/>
+            <a:ext cx="2870180" cy="345685"/>
           </a:xfrm>
           <a:prstGeom prst="rect">
             <a:avLst/>
@@ -4600,7 +4659,7 @@
           <a:bodyPr vert="horz" lIns="91440" tIns="45720" rIns="91440" bIns="45720" rtlCol="0" anchor="ctr"/>
           <a:lstStyle>
             <a:lvl1pPr algn="ctr">
-              <a:defRPr sz="720">
+              <a:defRPr sz="1116">
                 <a:solidFill>
                   <a:schemeClr val="tx1">
                     <a:tint val="75000"/>
@@ -4626,8 +4685,8 @@
         </p:nvSpPr>
         <p:spPr>
           <a:xfrm>
-            <a:off x="5166360" y="4237567"/>
-            <a:ext cx="1645920" cy="243417"/>
+            <a:off x="6006118" y="6017935"/>
+            <a:ext cx="1913454" cy="345685"/>
           </a:xfrm>
           <a:prstGeom prst="rect">
             <a:avLst/>
@@ -4637,7 +4696,7 @@
           <a:bodyPr vert="horz" lIns="91440" tIns="45720" rIns="91440" bIns="45720" rtlCol="0" anchor="ctr"/>
           <a:lstStyle>
             <a:lvl1pPr algn="r">
-              <a:defRPr sz="720">
+              <a:defRPr sz="1116">
                 <a:solidFill>
                   <a:schemeClr val="tx1">
                     <a:tint val="75000"/>
@@ -4658,27 +4717,27 @@
     </p:spTree>
     <p:extLst>
       <p:ext uri="{BB962C8B-B14F-4D97-AF65-F5344CB8AC3E}">
-        <p14:creationId xmlns:p14="http://schemas.microsoft.com/office/powerpoint/2010/main" val="3726828121"/>
+        <p14:creationId xmlns:p14="http://schemas.microsoft.com/office/powerpoint/2010/main" val="843069807"/>
       </p:ext>
     </p:extLst>
   </p:cSld>
   <p:clrMap bg1="lt1" tx1="dk1" bg2="lt2" tx2="dk2" accent1="accent1" accent2="accent2" accent3="accent3" accent4="accent4" accent5="accent5" accent6="accent6" hlink="hlink" folHlink="folHlink"/>
   <p:sldLayoutIdLst>
-    <p:sldLayoutId id="2147483697" r:id="rId1"/>
-    <p:sldLayoutId id="2147483698" r:id="rId2"/>
-    <p:sldLayoutId id="2147483699" r:id="rId3"/>
-    <p:sldLayoutId id="2147483700" r:id="rId4"/>
-    <p:sldLayoutId id="2147483701" r:id="rId5"/>
-    <p:sldLayoutId id="2147483702" r:id="rId6"/>
-    <p:sldLayoutId id="2147483703" r:id="rId7"/>
-    <p:sldLayoutId id="2147483704" r:id="rId8"/>
-    <p:sldLayoutId id="2147483705" r:id="rId9"/>
-    <p:sldLayoutId id="2147483706" r:id="rId10"/>
-    <p:sldLayoutId id="2147483707" r:id="rId11"/>
+    <p:sldLayoutId id="2147483721" r:id="rId1"/>
+    <p:sldLayoutId id="2147483722" r:id="rId2"/>
+    <p:sldLayoutId id="2147483723" r:id="rId3"/>
+    <p:sldLayoutId id="2147483724" r:id="rId4"/>
+    <p:sldLayoutId id="2147483725" r:id="rId5"/>
+    <p:sldLayoutId id="2147483726" r:id="rId6"/>
+    <p:sldLayoutId id="2147483727" r:id="rId7"/>
+    <p:sldLayoutId id="2147483728" r:id="rId8"/>
+    <p:sldLayoutId id="2147483729" r:id="rId9"/>
+    <p:sldLayoutId id="2147483730" r:id="rId10"/>
+    <p:sldLayoutId id="2147483731" r:id="rId11"/>
   </p:sldLayoutIdLst>
   <p:txStyles>
     <p:titleStyle>
-      <a:lvl1pPr algn="l" defTabSz="548640" rtl="0" eaLnBrk="1" latinLnBrk="0" hangingPunct="1">
+      <a:lvl1pPr algn="l" defTabSz="850392" rtl="0" eaLnBrk="1" latinLnBrk="0" hangingPunct="1">
         <a:lnSpc>
           <a:spcPct val="90000"/>
         </a:lnSpc>
@@ -4686,7 +4745,7 @@
           <a:spcPct val="0"/>
         </a:spcBef>
         <a:buNone/>
-        <a:defRPr sz="2640" kern="1200">
+        <a:defRPr sz="4092" kern="1200">
           <a:solidFill>
             <a:schemeClr val="tx1"/>
           </a:solidFill>
@@ -4697,16 +4756,16 @@
       </a:lvl1pPr>
     </p:titleStyle>
     <p:bodyStyle>
-      <a:lvl1pPr marL="137160" indent="-137160" algn="l" defTabSz="548640" rtl="0" eaLnBrk="1" latinLnBrk="0" hangingPunct="1">
+      <a:lvl1pPr marL="212598" indent="-212598" algn="l" defTabSz="850392" rtl="0" eaLnBrk="1" latinLnBrk="0" hangingPunct="1">
         <a:lnSpc>
           <a:spcPct val="90000"/>
         </a:lnSpc>
         <a:spcBef>
-          <a:spcPts val="600"/>
+          <a:spcPts val="930"/>
         </a:spcBef>
         <a:buFont typeface="Arial" panose="020B0604020202020204" pitchFamily="34" charset="0"/>
         <a:buChar char="•"/>
-        <a:defRPr sz="1680" kern="1200">
+        <a:defRPr sz="2604" kern="1200">
           <a:solidFill>
             <a:schemeClr val="tx1"/>
           </a:solidFill>
@@ -4715,16 +4774,16 @@
           <a:cs typeface="+mn-cs"/>
         </a:defRPr>
       </a:lvl1pPr>
-      <a:lvl2pPr marL="411480" indent="-137160" algn="l" defTabSz="548640" rtl="0" eaLnBrk="1" latinLnBrk="0" hangingPunct="1">
+      <a:lvl2pPr marL="637794" indent="-212598" algn="l" defTabSz="850392" rtl="0" eaLnBrk="1" latinLnBrk="0" hangingPunct="1">
         <a:lnSpc>
           <a:spcPct val="90000"/>
         </a:lnSpc>
         <a:spcBef>
-          <a:spcPts val="300"/>
+          <a:spcPts val="465"/>
         </a:spcBef>
         <a:buFont typeface="Arial" panose="020B0604020202020204" pitchFamily="34" charset="0"/>
         <a:buChar char="•"/>
-        <a:defRPr sz="1440" kern="1200">
+        <a:defRPr sz="2232" kern="1200">
           <a:solidFill>
             <a:schemeClr val="tx1"/>
           </a:solidFill>
@@ -4733,16 +4792,16 @@
           <a:cs typeface="+mn-cs"/>
         </a:defRPr>
       </a:lvl2pPr>
-      <a:lvl3pPr marL="685800" indent="-137160" algn="l" defTabSz="548640" rtl="0" eaLnBrk="1" latinLnBrk="0" hangingPunct="1">
+      <a:lvl3pPr marL="1062990" indent="-212598" algn="l" defTabSz="850392" rtl="0" eaLnBrk="1" latinLnBrk="0" hangingPunct="1">
         <a:lnSpc>
           <a:spcPct val="90000"/>
         </a:lnSpc>
         <a:spcBef>
-          <a:spcPts val="300"/>
+          <a:spcPts val="465"/>
         </a:spcBef>
         <a:buFont typeface="Arial" panose="020B0604020202020204" pitchFamily="34" charset="0"/>
         <a:buChar char="•"/>
-        <a:defRPr sz="1200" kern="1200">
+        <a:defRPr sz="1860" kern="1200">
           <a:solidFill>
             <a:schemeClr val="tx1"/>
           </a:solidFill>
@@ -4751,16 +4810,16 @@
           <a:cs typeface="+mn-cs"/>
         </a:defRPr>
       </a:lvl3pPr>
-      <a:lvl4pPr marL="960120" indent="-137160" algn="l" defTabSz="548640" rtl="0" eaLnBrk="1" latinLnBrk="0" hangingPunct="1">
+      <a:lvl4pPr marL="1488186" indent="-212598" algn="l" defTabSz="850392" rtl="0" eaLnBrk="1" latinLnBrk="0" hangingPunct="1">
         <a:lnSpc>
           <a:spcPct val="90000"/>
         </a:lnSpc>
         <a:spcBef>
-          <a:spcPts val="300"/>
+          <a:spcPts val="465"/>
         </a:spcBef>
         <a:buFont typeface="Arial" panose="020B0604020202020204" pitchFamily="34" charset="0"/>
         <a:buChar char="•"/>
-        <a:defRPr sz="1080" kern="1200">
+        <a:defRPr sz="1674" kern="1200">
           <a:solidFill>
             <a:schemeClr val="tx1"/>
           </a:solidFill>
@@ -4769,16 +4828,16 @@
           <a:cs typeface="+mn-cs"/>
         </a:defRPr>
       </a:lvl4pPr>
-      <a:lvl5pPr marL="1234440" indent="-137160" algn="l" defTabSz="548640" rtl="0" eaLnBrk="1" latinLnBrk="0" hangingPunct="1">
+      <a:lvl5pPr marL="1913382" indent="-212598" algn="l" defTabSz="850392" rtl="0" eaLnBrk="1" latinLnBrk="0" hangingPunct="1">
         <a:lnSpc>
           <a:spcPct val="90000"/>
         </a:lnSpc>
         <a:spcBef>
-          <a:spcPts val="300"/>
+          <a:spcPts val="465"/>
         </a:spcBef>
         <a:buFont typeface="Arial" panose="020B0604020202020204" pitchFamily="34" charset="0"/>
         <a:buChar char="•"/>
-        <a:defRPr sz="1080" kern="1200">
+        <a:defRPr sz="1674" kern="1200">
           <a:solidFill>
             <a:schemeClr val="tx1"/>
           </a:solidFill>
@@ -4787,16 +4846,16 @@
           <a:cs typeface="+mn-cs"/>
         </a:defRPr>
       </a:lvl5pPr>
-      <a:lvl6pPr marL="1508760" indent="-137160" algn="l" defTabSz="548640" rtl="0" eaLnBrk="1" latinLnBrk="0" hangingPunct="1">
+      <a:lvl6pPr marL="2338578" indent="-212598" algn="l" defTabSz="850392" rtl="0" eaLnBrk="1" latinLnBrk="0" hangingPunct="1">
         <a:lnSpc>
           <a:spcPct val="90000"/>
         </a:lnSpc>
         <a:spcBef>
-          <a:spcPts val="300"/>
+          <a:spcPts val="465"/>
         </a:spcBef>
         <a:buFont typeface="Arial" panose="020B0604020202020204" pitchFamily="34" charset="0"/>
         <a:buChar char="•"/>
-        <a:defRPr sz="1080" kern="1200">
+        <a:defRPr sz="1674" kern="1200">
           <a:solidFill>
             <a:schemeClr val="tx1"/>
           </a:solidFill>
@@ -4805,16 +4864,16 @@
           <a:cs typeface="+mn-cs"/>
         </a:defRPr>
       </a:lvl6pPr>
-      <a:lvl7pPr marL="1783080" indent="-137160" algn="l" defTabSz="548640" rtl="0" eaLnBrk="1" latinLnBrk="0" hangingPunct="1">
+      <a:lvl7pPr marL="2763774" indent="-212598" algn="l" defTabSz="850392" rtl="0" eaLnBrk="1" latinLnBrk="0" hangingPunct="1">
         <a:lnSpc>
           <a:spcPct val="90000"/>
         </a:lnSpc>
         <a:spcBef>
-          <a:spcPts val="300"/>
+          <a:spcPts val="465"/>
         </a:spcBef>
         <a:buFont typeface="Arial" panose="020B0604020202020204" pitchFamily="34" charset="0"/>
         <a:buChar char="•"/>
-        <a:defRPr sz="1080" kern="1200">
+        <a:defRPr sz="1674" kern="1200">
           <a:solidFill>
             <a:schemeClr val="tx1"/>
           </a:solidFill>
@@ -4823,16 +4882,16 @@
           <a:cs typeface="+mn-cs"/>
         </a:defRPr>
       </a:lvl7pPr>
-      <a:lvl8pPr marL="2057400" indent="-137160" algn="l" defTabSz="548640" rtl="0" eaLnBrk="1" latinLnBrk="0" hangingPunct="1">
+      <a:lvl8pPr marL="3188970" indent="-212598" algn="l" defTabSz="850392" rtl="0" eaLnBrk="1" latinLnBrk="0" hangingPunct="1">
         <a:lnSpc>
           <a:spcPct val="90000"/>
         </a:lnSpc>
         <a:spcBef>
-          <a:spcPts val="300"/>
+          <a:spcPts val="465"/>
         </a:spcBef>
         <a:buFont typeface="Arial" panose="020B0604020202020204" pitchFamily="34" charset="0"/>
         <a:buChar char="•"/>
-        <a:defRPr sz="1080" kern="1200">
+        <a:defRPr sz="1674" kern="1200">
           <a:solidFill>
             <a:schemeClr val="tx1"/>
           </a:solidFill>
@@ -4841,16 +4900,16 @@
           <a:cs typeface="+mn-cs"/>
         </a:defRPr>
       </a:lvl8pPr>
-      <a:lvl9pPr marL="2331720" indent="-137160" algn="l" defTabSz="548640" rtl="0" eaLnBrk="1" latinLnBrk="0" hangingPunct="1">
+      <a:lvl9pPr marL="3614166" indent="-212598" algn="l" defTabSz="850392" rtl="0" eaLnBrk="1" latinLnBrk="0" hangingPunct="1">
         <a:lnSpc>
           <a:spcPct val="90000"/>
         </a:lnSpc>
         <a:spcBef>
-          <a:spcPts val="300"/>
+          <a:spcPts val="465"/>
         </a:spcBef>
         <a:buFont typeface="Arial" panose="020B0604020202020204" pitchFamily="34" charset="0"/>
         <a:buChar char="•"/>
-        <a:defRPr sz="1080" kern="1200">
+        <a:defRPr sz="1674" kern="1200">
           <a:solidFill>
             <a:schemeClr val="tx1"/>
           </a:solidFill>
@@ -4864,8 +4923,8 @@
       <a:defPPr>
         <a:defRPr lang="en-US"/>
       </a:defPPr>
-      <a:lvl1pPr marL="0" algn="l" defTabSz="548640" rtl="0" eaLnBrk="1" latinLnBrk="0" hangingPunct="1">
-        <a:defRPr sz="1080" kern="1200">
+      <a:lvl1pPr marL="0" algn="l" defTabSz="850392" rtl="0" eaLnBrk="1" latinLnBrk="0" hangingPunct="1">
+        <a:defRPr sz="1674" kern="1200">
           <a:solidFill>
             <a:schemeClr val="tx1"/>
           </a:solidFill>
@@ -4874,8 +4933,8 @@
           <a:cs typeface="+mn-cs"/>
         </a:defRPr>
       </a:lvl1pPr>
-      <a:lvl2pPr marL="274320" algn="l" defTabSz="548640" rtl="0" eaLnBrk="1" latinLnBrk="0" hangingPunct="1">
-        <a:defRPr sz="1080" kern="1200">
+      <a:lvl2pPr marL="425196" algn="l" defTabSz="850392" rtl="0" eaLnBrk="1" latinLnBrk="0" hangingPunct="1">
+        <a:defRPr sz="1674" kern="1200">
           <a:solidFill>
             <a:schemeClr val="tx1"/>
           </a:solidFill>
@@ -4884,8 +4943,8 @@
           <a:cs typeface="+mn-cs"/>
         </a:defRPr>
       </a:lvl2pPr>
-      <a:lvl3pPr marL="548640" algn="l" defTabSz="548640" rtl="0" eaLnBrk="1" latinLnBrk="0" hangingPunct="1">
-        <a:defRPr sz="1080" kern="1200">
+      <a:lvl3pPr marL="850392" algn="l" defTabSz="850392" rtl="0" eaLnBrk="1" latinLnBrk="0" hangingPunct="1">
+        <a:defRPr sz="1674" kern="1200">
           <a:solidFill>
             <a:schemeClr val="tx1"/>
           </a:solidFill>
@@ -4894,8 +4953,8 @@
           <a:cs typeface="+mn-cs"/>
         </a:defRPr>
       </a:lvl3pPr>
-      <a:lvl4pPr marL="822960" algn="l" defTabSz="548640" rtl="0" eaLnBrk="1" latinLnBrk="0" hangingPunct="1">
-        <a:defRPr sz="1080" kern="1200">
+      <a:lvl4pPr marL="1275588" algn="l" defTabSz="850392" rtl="0" eaLnBrk="1" latinLnBrk="0" hangingPunct="1">
+        <a:defRPr sz="1674" kern="1200">
           <a:solidFill>
             <a:schemeClr val="tx1"/>
           </a:solidFill>
@@ -4904,8 +4963,8 @@
           <a:cs typeface="+mn-cs"/>
         </a:defRPr>
       </a:lvl4pPr>
-      <a:lvl5pPr marL="1097280" algn="l" defTabSz="548640" rtl="0" eaLnBrk="1" latinLnBrk="0" hangingPunct="1">
-        <a:defRPr sz="1080" kern="1200">
+      <a:lvl5pPr marL="1700784" algn="l" defTabSz="850392" rtl="0" eaLnBrk="1" latinLnBrk="0" hangingPunct="1">
+        <a:defRPr sz="1674" kern="1200">
           <a:solidFill>
             <a:schemeClr val="tx1"/>
           </a:solidFill>
@@ -4914,8 +4973,8 @@
           <a:cs typeface="+mn-cs"/>
         </a:defRPr>
       </a:lvl5pPr>
-      <a:lvl6pPr marL="1371600" algn="l" defTabSz="548640" rtl="0" eaLnBrk="1" latinLnBrk="0" hangingPunct="1">
-        <a:defRPr sz="1080" kern="1200">
+      <a:lvl6pPr marL="2125980" algn="l" defTabSz="850392" rtl="0" eaLnBrk="1" latinLnBrk="0" hangingPunct="1">
+        <a:defRPr sz="1674" kern="1200">
           <a:solidFill>
             <a:schemeClr val="tx1"/>
           </a:solidFill>
@@ -4924,8 +4983,8 @@
           <a:cs typeface="+mn-cs"/>
         </a:defRPr>
       </a:lvl6pPr>
-      <a:lvl7pPr marL="1645920" algn="l" defTabSz="548640" rtl="0" eaLnBrk="1" latinLnBrk="0" hangingPunct="1">
-        <a:defRPr sz="1080" kern="1200">
+      <a:lvl7pPr marL="2551176" algn="l" defTabSz="850392" rtl="0" eaLnBrk="1" latinLnBrk="0" hangingPunct="1">
+        <a:defRPr sz="1674" kern="1200">
           <a:solidFill>
             <a:schemeClr val="tx1"/>
           </a:solidFill>
@@ -4934,8 +4993,8 @@
           <a:cs typeface="+mn-cs"/>
         </a:defRPr>
       </a:lvl7pPr>
-      <a:lvl8pPr marL="1920240" algn="l" defTabSz="548640" rtl="0" eaLnBrk="1" latinLnBrk="0" hangingPunct="1">
-        <a:defRPr sz="1080" kern="1200">
+      <a:lvl8pPr marL="2976372" algn="l" defTabSz="850392" rtl="0" eaLnBrk="1" latinLnBrk="0" hangingPunct="1">
+        <a:defRPr sz="1674" kern="1200">
           <a:solidFill>
             <a:schemeClr val="tx1"/>
           </a:solidFill>
@@ -4944,8 +5003,8 @@
           <a:cs typeface="+mn-cs"/>
         </a:defRPr>
       </a:lvl8pPr>
-      <a:lvl9pPr marL="2194560" algn="l" defTabSz="548640" rtl="0" eaLnBrk="1" latinLnBrk="0" hangingPunct="1">
-        <a:defRPr sz="1080" kern="1200">
+      <a:lvl9pPr marL="3401568" algn="l" defTabSz="850392" rtl="0" eaLnBrk="1" latinLnBrk="0" hangingPunct="1">
+        <a:defRPr sz="1674" kern="1200">
           <a:solidFill>
             <a:schemeClr val="tx1"/>
           </a:solidFill>
@@ -4991,14 +5050,14 @@
           <p:nvPr>
             <p:extLst>
               <p:ext uri="{D42A27DB-BD31-4B8C-83A1-F6EECF244321}">
-                <p14:modId xmlns:p14="http://schemas.microsoft.com/office/powerpoint/2010/main" val="669298829"/>
+                <p14:modId xmlns:p14="http://schemas.microsoft.com/office/powerpoint/2010/main" val="3678614229"/>
               </p:ext>
             </p:extLst>
           </p:nvPr>
         </p:nvGraphicFramePr>
         <p:xfrm>
           <a:off x="0" y="0"/>
-          <a:ext cx="7315200" cy="4572000"/>
+          <a:ext cx="8503920" cy="6492240"/>
         </p:xfrm>
         <a:graphic>
           <a:graphicData uri="http://schemas.openxmlformats.org/drawingml/2006/chart">
